--- a/AtividadeFinal.py/IMC.pptx
+++ b/AtividadeFinal.py/IMC.pptx
@@ -5,40 +5,41 @@
     <p:sldMasterId id="2147483648" r:id="rId1"/>
   </p:sldMasterIdLst>
   <p:notesMasterIdLst>
-    <p:notesMasterId r:id="rId8"/>
+    <p:notesMasterId r:id="rId9"/>
   </p:notesMasterIdLst>
   <p:sldIdLst>
     <p:sldId id="256" r:id="rId2"/>
     <p:sldId id="257" r:id="rId3"/>
     <p:sldId id="258" r:id="rId4"/>
     <p:sldId id="259" r:id="rId5"/>
-    <p:sldId id="260" r:id="rId6"/>
-    <p:sldId id="261" r:id="rId7"/>
+    <p:sldId id="262" r:id="rId6"/>
+    <p:sldId id="260" r:id="rId7"/>
+    <p:sldId id="261" r:id="rId8"/>
   </p:sldIdLst>
   <p:sldSz cx="14630400" cy="8229600"/>
   <p:notesSz cx="8229600" cy="14630400"/>
   <p:embeddedFontLst>
     <p:embeddedFont>
       <p:font typeface="Calibri" panose="020F0502020204030204" pitchFamily="34" charset="0"/>
-      <p:regular r:id="rId9"/>
-      <p:bold r:id="rId10"/>
-      <p:italic r:id="rId11"/>
-      <p:boldItalic r:id="rId12"/>
+      <p:regular r:id="rId10"/>
+      <p:bold r:id="rId11"/>
+      <p:italic r:id="rId12"/>
+      <p:boldItalic r:id="rId13"/>
     </p:embeddedFont>
     <p:embeddedFont>
       <p:font typeface="Consolas" panose="020B0609020204030204" pitchFamily="49" charset="0"/>
-      <p:regular r:id="rId13"/>
-      <p:bold r:id="rId14"/>
-      <p:italic r:id="rId15"/>
-      <p:boldItalic r:id="rId16"/>
+      <p:regular r:id="rId14"/>
+      <p:bold r:id="rId15"/>
+      <p:italic r:id="rId16"/>
+      <p:boldItalic r:id="rId17"/>
     </p:embeddedFont>
     <p:embeddedFont>
       <p:font typeface="Tomorrow" panose="020B0604020202020204" charset="0"/>
-      <p:regular r:id="rId17"/>
+      <p:regular r:id="rId18"/>
     </p:embeddedFont>
     <p:embeddedFont>
       <p:font typeface="Tomorrow Semi Bold" panose="020B0604020202020204" charset="0"/>
-      <p:regular r:id="rId18"/>
+      <p:regular r:id="rId19"/>
     </p:embeddedFont>
   </p:embeddedFontLst>
   <p:defaultTextStyle>
@@ -679,7 +680,7 @@
     </p:spTree>
     <p:extLst>
       <p:ext uri="{BB962C8B-B14F-4D97-AF65-F5344CB8AC3E}">
-        <p14:creationId xmlns:p14="http://schemas.microsoft.com/office/powerpoint/2010/main" val="1024086991"/>
+        <p14:creationId xmlns:p14="http://schemas.microsoft.com/office/powerpoint/2010/main" val="694249726"/>
       </p:ext>
     </p:extLst>
   </p:cSld>
@@ -755,6 +756,90 @@
             <a:fld id="{F7021451-1387-4CA6-816F-3879F97B5CBC}" type="slidenum">
               <a:rPr lang="en-US"/>
               <a:t>6</a:t>
+            </a:fld>
+            <a:endParaRPr lang="en-US"/>
+          </a:p>
+        </p:txBody>
+      </p:sp>
+    </p:spTree>
+    <p:extLst>
+      <p:ext uri="{BB962C8B-B14F-4D97-AF65-F5344CB8AC3E}">
+        <p14:creationId xmlns:p14="http://schemas.microsoft.com/office/powerpoint/2010/main" val="1024086991"/>
+      </p:ext>
+    </p:extLst>
+  </p:cSld>
+  <p:clrMapOvr>
+    <a:masterClrMapping/>
+  </p:clrMapOvr>
+</p:notes>
+</file>
+
+<file path=ppt/notesSlides/notesSlide7.xml><?xml version="1.0" encoding="utf-8"?>
+<p:notes xmlns:a="http://schemas.openxmlformats.org/drawingml/2006/main" xmlns:r="http://schemas.openxmlformats.org/officeDocument/2006/relationships" xmlns:p="http://schemas.openxmlformats.org/presentationml/2006/main">
+  <p:cSld>
+    <p:spTree>
+      <p:nvGrpSpPr>
+        <p:cNvPr id="1" name=""/>
+        <p:cNvGrpSpPr/>
+        <p:nvPr/>
+      </p:nvGrpSpPr>
+      <p:grpSpPr>
+        <a:xfrm>
+          <a:off x="0" y="0"/>
+          <a:ext cx="0" cy="0"/>
+          <a:chOff x="0" y="0"/>
+          <a:chExt cx="0" cy="0"/>
+        </a:xfrm>
+      </p:grpSpPr>
+      <p:sp>
+        <p:nvSpPr>
+          <p:cNvPr id="2" name="Slide Image Placeholder 1"/>
+          <p:cNvSpPr>
+            <a:spLocks noGrp="1" noRot="1" noChangeAspect="1"/>
+          </p:cNvSpPr>
+          <p:nvPr>
+            <p:ph type="sldImg"/>
+          </p:nvPr>
+        </p:nvSpPr>
+        <p:spPr/>
+      </p:sp>
+      <p:sp>
+        <p:nvSpPr>
+          <p:cNvPr id="3" name="Notes Placeholder 2"/>
+          <p:cNvSpPr>
+            <a:spLocks noGrp="1"/>
+          </p:cNvSpPr>
+          <p:nvPr>
+            <p:ph type="body" idx="1"/>
+          </p:nvPr>
+        </p:nvSpPr>
+        <p:spPr/>
+        <p:txBody>
+          <a:bodyPr/>
+          <a:lstStyle/>
+          <a:p>
+            <a:endParaRPr lang="en-US" dirty="0"/>
+          </a:p>
+        </p:txBody>
+      </p:sp>
+      <p:sp>
+        <p:nvSpPr>
+          <p:cNvPr id="4" name="Slide Number Placeholder 3"/>
+          <p:cNvSpPr>
+            <a:spLocks noGrp="1"/>
+          </p:cNvSpPr>
+          <p:nvPr>
+            <p:ph type="sldNum" sz="quarter" idx="10"/>
+          </p:nvPr>
+        </p:nvSpPr>
+        <p:spPr/>
+        <p:txBody>
+          <a:bodyPr/>
+          <a:lstStyle/>
+          <a:p>
+            <a:fld id="{F7021451-1387-4CA6-816F-3879F97B5CBC}" type="slidenum">
+              <a:rPr lang="en-US"/>
+              <a:t>7</a:t>
             </a:fld>
             <a:endParaRPr lang="en-US"/>
           </a:p>
@@ -2541,6 +2626,108 @@
 
 <file path=ppt/slides/slide5.xml><?xml version="1.0" encoding="utf-8"?>
 <p:sld xmlns:a="http://schemas.openxmlformats.org/drawingml/2006/main" xmlns:r="http://schemas.openxmlformats.org/officeDocument/2006/relationships" xmlns:p="http://schemas.openxmlformats.org/presentationml/2006/main">
+  <p:cSld>
+    <p:spTree>
+      <p:nvGrpSpPr>
+        <p:cNvPr id="1" name=""/>
+        <p:cNvGrpSpPr/>
+        <p:nvPr/>
+      </p:nvGrpSpPr>
+      <p:grpSpPr>
+        <a:xfrm>
+          <a:off x="0" y="0"/>
+          <a:ext cx="0" cy="0"/>
+          <a:chOff x="0" y="0"/>
+          <a:chExt cx="0" cy="0"/>
+        </a:xfrm>
+      </p:grpSpPr>
+      <p:sp>
+        <p:nvSpPr>
+          <p:cNvPr id="3" name="Text 0"/>
+          <p:cNvSpPr/>
+          <p:nvPr/>
+        </p:nvSpPr>
+        <p:spPr>
+          <a:xfrm>
+            <a:off x="883242" y="3760409"/>
+            <a:ext cx="5925062" cy="708779"/>
+          </a:xfrm>
+          <a:prstGeom prst="rect">
+            <a:avLst/>
+          </a:prstGeom>
+          <a:noFill/>
+          <a:ln/>
+        </p:spPr>
+        <p:txBody>
+          <a:bodyPr wrap="none" lIns="0" tIns="0" rIns="0" bIns="0" rtlCol="0" anchor="t"/>
+          <a:lstStyle/>
+          <a:p>
+            <a:pPr marL="0" indent="0">
+              <a:lnSpc>
+                <a:spcPts val="5550"/>
+              </a:lnSpc>
+              <a:buNone/>
+            </a:pPr>
+            <a:r>
+              <a:rPr lang="en-US" sz="4450" dirty="0">
+                <a:solidFill>
+                  <a:srgbClr val="EDEDE8"/>
+                </a:solidFill>
+                <a:latin typeface="Tomorrow Semi Bold" pitchFamily="34" charset="0"/>
+                <a:ea typeface="Tomorrow Semi Bold" pitchFamily="34" charset="-122"/>
+                <a:cs typeface="Tomorrow Semi Bold" pitchFamily="34" charset="-120"/>
+              </a:rPr>
+              <a:t>Readme.MD do GitHub</a:t>
+            </a:r>
+            <a:endParaRPr lang="en-US" sz="4450" dirty="0"/>
+          </a:p>
+        </p:txBody>
+      </p:sp>
+      <p:pic>
+        <p:nvPicPr>
+          <p:cNvPr id="2" name="Imagem 1">
+            <a:extLst>
+              <a:ext uri="{FF2B5EF4-FFF2-40B4-BE49-F238E27FC236}">
+                <a16:creationId xmlns:a16="http://schemas.microsoft.com/office/drawing/2014/main" id="{6C21FE0D-7F0B-4BF1-AABF-62B44F534C3A}"/>
+              </a:ext>
+            </a:extLst>
+          </p:cNvPr>
+          <p:cNvPicPr>
+            <a:picLocks noChangeAspect="1"/>
+          </p:cNvPicPr>
+          <p:nvPr/>
+        </p:nvPicPr>
+        <p:blipFill>
+          <a:blip r:embed="rId3"/>
+          <a:stretch>
+            <a:fillRect/>
+          </a:stretch>
+        </p:blipFill>
+        <p:spPr>
+          <a:xfrm>
+            <a:off x="7595153" y="347662"/>
+            <a:ext cx="6477000" cy="7534275"/>
+          </a:xfrm>
+          <a:prstGeom prst="rect">
+            <a:avLst/>
+          </a:prstGeom>
+        </p:spPr>
+      </p:pic>
+    </p:spTree>
+    <p:extLst>
+      <p:ext uri="{BB962C8B-B14F-4D97-AF65-F5344CB8AC3E}">
+        <p14:creationId xmlns:p14="http://schemas.microsoft.com/office/powerpoint/2010/main" val="3878253795"/>
+      </p:ext>
+    </p:extLst>
+  </p:cSld>
+  <p:clrMapOvr>
+    <a:masterClrMapping/>
+  </p:clrMapOvr>
+</p:sld>
+</file>
+
+<file path=ppt/slides/slide6.xml><?xml version="1.0" encoding="utf-8"?>
+<p:sld xmlns:a="http://schemas.openxmlformats.org/drawingml/2006/main" xmlns:r="http://schemas.openxmlformats.org/officeDocument/2006/relationships" xmlns:p="http://schemas.openxmlformats.org/presentationml/2006/main">
   <p:cSld name="Slide 5">
     <p:spTree>
       <p:nvGrpSpPr>
@@ -3009,7 +3196,7 @@
 </p:sld>
 </file>
 
-<file path=ppt/slides/slide6.xml><?xml version="1.0" encoding="utf-8"?>
+<file path=ppt/slides/slide7.xml><?xml version="1.0" encoding="utf-8"?>
 <p:sld xmlns:a="http://schemas.openxmlformats.org/drawingml/2006/main" xmlns:r="http://schemas.openxmlformats.org/officeDocument/2006/relationships" xmlns:p="http://schemas.openxmlformats.org/presentationml/2006/main">
   <p:cSld name="Slide 6">
     <p:spTree>
